--- a/team A081.pptx
+++ b/team A081.pptx
@@ -120,7 +120,18 @@
   </p:defaultTextStyle>
   <p:extLst>
     <p:ext uri="{EFAFB233-063F-42B5-8137-9DF3F51BA10A}">
-      <p15:sldGuideLst xmlns="" xmlns:p15="http://schemas.microsoft.com/office/powerpoint/2012/main"/>
+      <p15:sldGuideLst xmlns:p15="http://schemas.microsoft.com/office/powerpoint/2012/main">
+        <p15:guide id="1" orient="horz" pos="2160">
+          <p15:clr>
+            <a:srgbClr val="A4A3A4"/>
+          </p15:clr>
+        </p15:guide>
+        <p15:guide id="2" pos="3840">
+          <p15:clr>
+            <a:srgbClr val="A4A3A4"/>
+          </p15:clr>
+        </p15:guide>
+      </p15:sldGuideLst>
     </p:ext>
   </p:extLst>
 </p:presentation>
@@ -1918,7 +1929,7 @@
           <a:p>
             <a:fld id="{EB3A467E-CEBB-4F66-A8E9-F7D970DC6D62}" type="datetime1">
               <a:rPr lang="en-US" smtClean="0"/>
-              <a:t>1/3/2025</a:t>
+              <a:t>1/6/2025</a:t>
             </a:fld>
             <a:endParaRPr lang="en-GB"/>
           </a:p>
@@ -5880,15 +5891,6 @@
               </a:rPr>
               <a:t>Date :  18 Nov 2024</a:t>
             </a:r>
-            <a:r>
-              <a:rPr lang="en-US" sz="2200" b="1" strike="noStrike" spc="-202" dirty="0">
-                <a:solidFill>
-                  <a:srgbClr val="FFFFFF"/>
-                </a:solidFill>
-                <a:latin typeface="Arial" panose="020B0604020202020204"/>
-              </a:rPr>
-              <a:t/>
-            </a:r>
             <a:br>
               <a:rPr lang="en-US" sz="2200" b="1" strike="noStrike" spc="-202" dirty="0">
                 <a:solidFill>
@@ -6121,7 +6123,7 @@
               <a:t> </a:t>
             </a:r>
             <a:r>
-              <a:rPr lang="en-GB" altLang="en-GB" sz="1500" spc="-1" dirty="0" err="1" smtClean="0">
+              <a:rPr lang="en-GB" altLang="en-GB" sz="1500" spc="-1" dirty="0" err="1">
                 <a:solidFill>
                   <a:srgbClr val="FFFFFF"/>
                 </a:solidFill>
@@ -6131,7 +6133,7 @@
               <a:t>Pampana</a:t>
             </a:r>
             <a:r>
-              <a:rPr lang="en-GB" altLang="en-GB" sz="1500" spc="-1" dirty="0" smtClean="0">
+              <a:rPr lang="en-GB" altLang="en-GB" sz="1500" spc="-1" dirty="0">
                 <a:solidFill>
                   <a:srgbClr val="FFFFFF"/>
                 </a:solidFill>
@@ -6155,20 +6157,10 @@
                 <a:latin typeface="Arial" panose="020B0604020202020204"/>
                 <a:sym typeface="+mn-ea"/>
               </a:rPr>
-              <a:t>	</a:t>
-            </a:r>
-            <a:r>
-              <a:rPr lang="en-GB" altLang="en-GB" sz="1500" spc="-1" dirty="0" smtClean="0">
-                <a:solidFill>
-                  <a:srgbClr val="FFFFFF"/>
-                </a:solidFill>
-                <a:latin typeface="Arial" panose="020B0604020202020204"/>
-                <a:sym typeface="+mn-ea"/>
-              </a:rPr>
-              <a:t>							</a:t>
-            </a:r>
-            <a:r>
-              <a:rPr lang="en-GB" altLang="en-GB" sz="1500" spc="-1" dirty="0" err="1" smtClean="0">
+              <a:t>								</a:t>
+            </a:r>
+            <a:r>
+              <a:rPr lang="en-GB" altLang="en-GB" sz="1500" spc="-1" dirty="0" err="1">
                 <a:solidFill>
                   <a:srgbClr val="FFFFFF"/>
                 </a:solidFill>
@@ -6178,7 +6170,7 @@
               <a:t>Sai</a:t>
             </a:r>
             <a:r>
-              <a:rPr lang="en-GB" altLang="en-GB" sz="1500" spc="-1" dirty="0" smtClean="0">
+              <a:rPr lang="en-GB" altLang="en-GB" sz="1500" spc="-1" dirty="0">
                 <a:solidFill>
                   <a:srgbClr val="FFFFFF"/>
                 </a:solidFill>
@@ -6188,7 +6180,7 @@
               <a:t> </a:t>
             </a:r>
             <a:r>
-              <a:rPr lang="en-GB" altLang="en-GB" sz="1500" spc="-1" dirty="0" err="1" smtClean="0">
+              <a:rPr lang="en-GB" altLang="en-GB" sz="1500" spc="-1" dirty="0" err="1">
                 <a:solidFill>
                   <a:srgbClr val="FFFFFF"/>
                 </a:solidFill>
@@ -6294,7 +6286,7 @@
               <a:t>Karthik Kumar </a:t>
             </a:r>
             <a:r>
-              <a:rPr lang="en-GB" altLang="en-GB" sz="1500" spc="-1" dirty="0" err="1" smtClean="0">
+              <a:rPr lang="en-GB" altLang="en-GB" sz="1500" spc="-1" dirty="0" err="1">
                 <a:solidFill>
                   <a:srgbClr val="FFFFFF"/>
                 </a:solidFill>
@@ -6425,12 +6417,8 @@
           <a:p>
             <a:pPr algn="ctr"/>
             <a:r>
-              <a:rPr lang="en-US" sz="2400" b="1" dirty="0" smtClean="0"/>
-              <a:t>Limitations</a:t>
-            </a:r>
-            <a:r>
               <a:rPr lang="en-US" sz="2400" b="1" dirty="0"/>
-              <a:t>:</a:t>
+              <a:t>Limitations:</a:t>
             </a:r>
             <a:endParaRPr lang="en-US" sz="2400" dirty="0"/>
           </a:p>
@@ -6538,7 +6526,6 @@
               <a:rPr lang="en-US" sz="2400" dirty="0"/>
               <a:t>Demographic breakdowns</a:t>
             </a:r>
-            <a:endParaRPr lang="en-US" sz="2400" dirty="0"/>
           </a:p>
         </p:txBody>
       </p:sp>
@@ -6665,13 +6652,8 @@
             </a:pPr>
             <a:r>
               <a:rPr lang="en-US" sz="2400" dirty="0"/>
-              <a:t>Statistical validity </a:t>
-            </a:r>
-            <a:r>
-              <a:rPr lang="en-US" sz="2400" dirty="0" smtClean="0"/>
-              <a:t>confirmed</a:t>
-            </a:r>
-            <a:endParaRPr lang="en-US" sz="2400" dirty="0"/>
+              <a:t>Statistical validity confirmed</a:t>
+            </a:r>
           </a:p>
         </p:txBody>
       </p:sp>
@@ -6760,7 +6742,7 @@
           <a:p>
             <a:pPr algn="ctr"/>
             <a:r>
-              <a:rPr lang="en-US" sz="2800" b="1" dirty="0" smtClean="0"/>
+              <a:rPr lang="en-US" sz="2800" b="1" dirty="0"/>
               <a:t>Conclusion</a:t>
             </a:r>
             <a:endParaRPr lang="en-US" sz="2800" dirty="0"/>
@@ -6919,15 +6901,7 @@
             <a:pPr algn="ctr"/>
             <a:r>
               <a:rPr lang="en-US" sz="2400" b="1" dirty="0"/>
-              <a:t>Literature </a:t>
-            </a:r>
-            <a:r>
-              <a:rPr lang="en-US" sz="2400" b="1" dirty="0" smtClean="0"/>
-              <a:t>Review-</a:t>
-            </a:r>
-            <a:r>
-              <a:rPr lang="en-US" sz="2400" b="1" dirty="0"/>
-              <a:t>Key Studies:</a:t>
+              <a:t>Literature Review-Key Studies:</a:t>
             </a:r>
             <a:endParaRPr lang="en-US" sz="2400" dirty="0"/>
           </a:p>
@@ -7020,12 +6994,8 @@
           <a:lstStyle/>
           <a:p>
             <a:r>
-              <a:rPr lang="en-US" sz="2400" b="1" dirty="0" smtClean="0"/>
-              <a:t>Fan </a:t>
-            </a:r>
-            <a:r>
               <a:rPr lang="en-US" sz="2400" b="1" dirty="0"/>
-              <a:t>et al. (2023)</a:t>
+              <a:t>Fan et al. (2023)</a:t>
             </a:r>
             <a:r>
               <a:rPr lang="en-US" sz="2400" dirty="0"/>
@@ -7203,19 +7173,10 @@
                 </a:solidFill>
                 <a:latin typeface="Calibri"/>
               </a:rPr>
-              <a:t>We are using the </a:t>
-            </a:r>
-            <a:r>
-              <a:rPr lang="en-US" spc="-100" dirty="0" smtClean="0">
-                <a:solidFill>
-                  <a:srgbClr val="203232"/>
-                </a:solidFill>
-                <a:latin typeface="Calibri"/>
-              </a:rPr>
-              <a:t>dataset </a:t>
-            </a:r>
-            <a:r>
-              <a:rPr lang="en-US" spc="-100" dirty="0" smtClean="0">
+              <a:t>We are using the dataset </a:t>
+            </a:r>
+            <a:r>
+              <a:rPr lang="en-US" spc="-100" dirty="0">
                 <a:solidFill>
                   <a:srgbClr val="FF0000"/>
                 </a:solidFill>
@@ -7228,7 +7189,7 @@
               <a:t>est16us.csv</a:t>
             </a:r>
             <a:r>
-              <a:rPr lang="en-US" spc="-100" dirty="0" smtClean="0">
+              <a:rPr lang="en-US" spc="-100" dirty="0">
                 <a:solidFill>
                   <a:srgbClr val="FF0000"/>
                 </a:solidFill>
@@ -7237,34 +7198,16 @@
               <a:t> </a:t>
             </a:r>
             <a:r>
-              <a:rPr lang="en-US" spc="-100" dirty="0" smtClean="0">
-                <a:solidFill>
-                  <a:srgbClr val="203232"/>
-                </a:solidFill>
-                <a:latin typeface="Calibri"/>
-              </a:rPr>
-              <a:t> </a:t>
-            </a:r>
-            <a:r>
               <a:rPr lang="en-US" spc="-100" dirty="0">
                 <a:solidFill>
                   <a:srgbClr val="203232"/>
                 </a:solidFill>
                 <a:latin typeface="Calibri"/>
               </a:rPr>
-              <a:t>to answer our Research question </a:t>
-            </a:r>
-            <a:r>
-              <a:rPr lang="en-US" spc="-100" dirty="0" smtClean="0">
-                <a:solidFill>
-                  <a:srgbClr val="203232"/>
-                </a:solidFill>
-                <a:latin typeface="Calibri"/>
-              </a:rPr>
-              <a:t> </a:t>
-            </a:r>
-            <a:r>
-              <a:rPr lang="en-US" b="1" spc="-100" dirty="0" smtClean="0">
+              <a:t> to answer our Research question  </a:t>
+            </a:r>
+            <a:r>
+              <a:rPr lang="en-US" b="1" spc="-100" dirty="0">
                 <a:solidFill>
                   <a:srgbClr val="203232"/>
                 </a:solidFill>
@@ -7273,20 +7216,8 @@
               <a:t>“</a:t>
             </a:r>
             <a:r>
-              <a:rPr lang="en-US" b="1" dirty="0" smtClean="0"/>
-              <a:t>Is </a:t>
-            </a:r>
-            <a:r>
               <a:rPr lang="en-US" b="1" dirty="0"/>
-              <a:t>there a difference in the mean poverty percentage for children ages 0-17 between California and Texas</a:t>
-            </a:r>
-            <a:r>
-              <a:rPr lang="en-US" b="1" dirty="0" smtClean="0"/>
-              <a:t>?”</a:t>
-            </a:r>
-            <a:r>
-              <a:rPr sz="1400" b="1" dirty="0"/>
-              <a:t/>
+              <a:t>Is there a difference in the mean poverty percentage for children ages 0-17 between California and Texas?”</a:t>
             </a:r>
             <a:br>
               <a:rPr sz="1400" b="1" dirty="0"/>
@@ -7398,19 +7329,13 @@
               </a:buClr>
             </a:pPr>
             <a:r>
-              <a:rPr lang="en-GB" sz="2000" b="0" strike="noStrike" spc="-1" dirty="0" smtClean="0">
-                <a:latin typeface="+mj-lt"/>
-              </a:rPr>
-              <a:t>The </a:t>
-            </a:r>
-            <a:r>
               <a:rPr lang="en-GB" sz="2000" b="0" strike="noStrike" spc="-1" dirty="0">
                 <a:latin typeface="+mj-lt"/>
               </a:rPr>
-              <a:t>dataset has </a:t>
-            </a:r>
-            <a:r>
-              <a:rPr lang="en-IN" sz="2000" spc="-1" dirty="0" smtClean="0">
+              <a:t>The dataset has </a:t>
+            </a:r>
+            <a:r>
+              <a:rPr lang="en-IN" sz="2000" spc="-1" dirty="0">
                 <a:latin typeface="+mj-lt"/>
               </a:rPr>
               <a:t>30 Variables</a:t>
@@ -7440,9 +7365,6 @@
               </a:rPr>
               <a:t>: Poverty Rate for children ages 0-17 </a:t>
             </a:r>
-            <a:endParaRPr lang="en-US" sz="2000" dirty="0" smtClean="0">
-              <a:latin typeface="+mj-lt"/>
-            </a:endParaRPr>
           </a:p>
           <a:p>
             <a:pPr algn="just">
@@ -7550,12 +7472,8 @@
           <a:p>
             <a:pPr algn="ctr"/>
             <a:r>
-              <a:rPr lang="en-US" sz="2800" b="1" dirty="0" smtClean="0"/>
-              <a:t>Methodology- </a:t>
-            </a:r>
-            <a:r>
               <a:rPr lang="en-US" sz="2800" b="1" dirty="0"/>
-              <a:t>Statistical Approach:</a:t>
+              <a:t>Methodology- Statistical Approach:</a:t>
             </a:r>
             <a:endParaRPr lang="en-US" sz="2800" dirty="0"/>
           </a:p>
@@ -7649,12 +7567,8 @@
           <a:p>
             <a:pPr algn="ctr"/>
             <a:r>
-              <a:rPr lang="en-US" sz="2400" b="1" dirty="0" smtClean="0"/>
-              <a:t>Data </a:t>
-            </a:r>
-            <a:r>
               <a:rPr lang="en-US" sz="2400" b="1" dirty="0"/>
-              <a:t>Preprocessing </a:t>
+              <a:t>Data Preprocessing </a:t>
             </a:r>
           </a:p>
           <a:p>
@@ -7805,7 +7719,6 @@
               <a:rPr lang="en-US" sz="2800" b="1" dirty="0"/>
               <a:t>Distribution Analysis</a:t>
             </a:r>
-            <a:endParaRPr lang="en-US" sz="2800" b="1" dirty="0"/>
           </a:p>
         </p:txBody>
       </p:sp>
@@ -7893,12 +7806,8 @@
           <a:p>
             <a:pPr algn="ctr"/>
             <a:r>
-              <a:rPr lang="en-US" sz="2400" b="1" dirty="0" smtClean="0"/>
-              <a:t>Key </a:t>
-            </a:r>
-            <a:r>
               <a:rPr lang="en-US" sz="2400" b="1" dirty="0"/>
-              <a:t>Findings:</a:t>
+              <a:t>Key Findings:</a:t>
             </a:r>
             <a:endParaRPr lang="en-US" sz="2400" dirty="0"/>
           </a:p>
@@ -7909,7 +7818,7 @@
             </a:pPr>
             <a:r>
               <a:rPr lang="en-US" sz="2400" dirty="0"/>
-              <a:t>Normal distribution confirmed (p=0.276)</a:t>
+              <a:t>Normal distribution confirmed (p=0.276).</a:t>
             </a:r>
           </a:p>
           <a:p>
@@ -7919,7 +7828,7 @@
             </a:pPr>
             <a:r>
               <a:rPr lang="en-US" sz="2400" dirty="0"/>
-              <a:t>Mean poverty rate: 18.36%</a:t>
+              <a:t>Mean poverty rate: 18.36</a:t>
             </a:r>
           </a:p>
           <a:p>
@@ -8034,7 +7943,6 @@
               <a:rPr lang="en-US" sz="2800" b="1" dirty="0"/>
               <a:t>State Comparison</a:t>
             </a:r>
-            <a:endParaRPr lang="en-US" sz="2800" b="1" dirty="0"/>
           </a:p>
         </p:txBody>
       </p:sp>
@@ -8122,12 +8030,8 @@
           <a:p>
             <a:pPr algn="ctr"/>
             <a:r>
-              <a:rPr lang="en-US" sz="2400" b="1" dirty="0" smtClean="0"/>
-              <a:t>Results</a:t>
-            </a:r>
-            <a:r>
               <a:rPr lang="en-US" sz="2400" b="1" dirty="0"/>
-              <a:t>:</a:t>
+              <a:t>Results:</a:t>
             </a:r>
             <a:endParaRPr lang="en-US" sz="2400" dirty="0"/>
           </a:p>
@@ -8146,7 +8050,7 @@
           <a:p>
             <a:r>
               <a:rPr lang="en-US" sz="2400" dirty="0"/>
-              <a:t>2.5 percentage point difference</a:t>
+              <a:t>2.5 percentage point difference.</a:t>
             </a:r>
           </a:p>
         </p:txBody>
@@ -8241,7 +8145,6 @@
               <a:rPr lang="en-US" sz="2800" b="1" dirty="0"/>
               <a:t>Statistical Results</a:t>
             </a:r>
-            <a:endParaRPr lang="en-US" sz="2800" b="1" dirty="0"/>
           </a:p>
         </p:txBody>
       </p:sp>
@@ -8329,12 +8232,8 @@
           <a:p>
             <a:pPr algn="ctr"/>
             <a:r>
-              <a:rPr lang="en-US" sz="2400" b="1" dirty="0" smtClean="0"/>
-              <a:t>Statistical </a:t>
-            </a:r>
-            <a:r>
               <a:rPr lang="en-US" sz="2400" b="1" dirty="0"/>
-              <a:t>Evidence:</a:t>
+              <a:t>Statistical Evidence:</a:t>
             </a:r>
             <a:endParaRPr lang="en-US" sz="2400" dirty="0"/>
           </a:p>
@@ -8353,13 +8252,8 @@
           <a:p>
             <a:r>
               <a:rPr lang="en-US" sz="2400" dirty="0"/>
-              <a:t>Non-overlapping confidence </a:t>
-            </a:r>
-            <a:r>
-              <a:rPr lang="en-US" sz="2400" dirty="0" smtClean="0"/>
-              <a:t>intervals</a:t>
-            </a:r>
-            <a:endParaRPr lang="en-US" sz="2400" dirty="0"/>
+              <a:t>Non-overlapping confidence intervals</a:t>
+            </a:r>
           </a:p>
         </p:txBody>
       </p:sp>
@@ -8402,12 +8296,8 @@
           <a:p>
             <a:pPr algn="just"/>
             <a:r>
-              <a:rPr lang="en-US" sz="2400" dirty="0" smtClean="0"/>
-              <a:t>Null </a:t>
-            </a:r>
-            <a:r>
               <a:rPr lang="en-US" sz="2400" dirty="0"/>
-              <a:t>hypothesis rejected</a:t>
+              <a:t>Null hypothesis rejected</a:t>
             </a:r>
           </a:p>
           <a:p>
@@ -8458,7 +8348,7 @@
           <p:cNvPr id="2" name="CustomShape 1">
             <a:extLst>
               <a:ext uri="{FF2B5EF4-FFF2-40B4-BE49-F238E27FC236}">
-                <a16:creationId xmlns="" xmlns:a16="http://schemas.microsoft.com/office/drawing/2014/main" id="{1D6328F2-F72C-25F2-E88D-20155AAE47A7}"/>
+                <a16:creationId xmlns:a16="http://schemas.microsoft.com/office/drawing/2014/main" id="{1D6328F2-F72C-25F2-E88D-20155AAE47A7}"/>
               </a:ext>
             </a:extLst>
           </p:cNvPr>
@@ -8507,7 +8397,7 @@
           <p:cNvPr id="3" name="CustomShape 2">
             <a:extLst>
               <a:ext uri="{FF2B5EF4-FFF2-40B4-BE49-F238E27FC236}">
-                <a16:creationId xmlns="" xmlns:a16="http://schemas.microsoft.com/office/drawing/2014/main" id="{7E3000EE-F64C-DF4D-354E-966553BD39CD}"/>
+                <a16:creationId xmlns:a16="http://schemas.microsoft.com/office/drawing/2014/main" id="{7E3000EE-F64C-DF4D-354E-966553BD39CD}"/>
               </a:ext>
             </a:extLst>
           </p:cNvPr>
@@ -8566,7 +8456,7 @@
           <p:cNvPr id="4" name="CustomShape 3">
             <a:extLst>
               <a:ext uri="{FF2B5EF4-FFF2-40B4-BE49-F238E27FC236}">
-                <a16:creationId xmlns="" xmlns:a16="http://schemas.microsoft.com/office/drawing/2014/main" id="{5970E895-184F-149D-BED8-17CC27FEE6BC}"/>
+                <a16:creationId xmlns:a16="http://schemas.microsoft.com/office/drawing/2014/main" id="{5970E895-184F-149D-BED8-17CC27FEE6BC}"/>
               </a:ext>
             </a:extLst>
           </p:cNvPr>
@@ -8627,7 +8517,7 @@
           <p:cNvPr id="5" name="CustomShape 4">
             <a:extLst>
               <a:ext uri="{FF2B5EF4-FFF2-40B4-BE49-F238E27FC236}">
-                <a16:creationId xmlns="" xmlns:a16="http://schemas.microsoft.com/office/drawing/2014/main" id="{387B5665-9537-1B2C-A111-22CFF20C36D6}"/>
+                <a16:creationId xmlns:a16="http://schemas.microsoft.com/office/drawing/2014/main" id="{387B5665-9537-1B2C-A111-22CFF20C36D6}"/>
               </a:ext>
             </a:extLst>
           </p:cNvPr>
@@ -8693,7 +8583,7 @@
           <p:cNvPr id="6" name="TextShape 5">
             <a:extLst>
               <a:ext uri="{FF2B5EF4-FFF2-40B4-BE49-F238E27FC236}">
-                <a16:creationId xmlns="" xmlns:a16="http://schemas.microsoft.com/office/drawing/2014/main" id="{26ED909D-757A-18BF-4440-481D105BB838}"/>
+                <a16:creationId xmlns:a16="http://schemas.microsoft.com/office/drawing/2014/main" id="{26ED909D-757A-18BF-4440-481D105BB838}"/>
               </a:ext>
             </a:extLst>
           </p:cNvPr>
@@ -8733,13 +8623,7 @@
               </a:rPr>
               <a:t> </a:t>
             </a:r>
-            <a:r>
-              <a:t/>
-            </a:r>
             <a:br/>
-            <a:r>
-              <a:t/>
-            </a:r>
             <a:br/>
             <a:endParaRPr lang="en-US" sz="2400" b="0" strike="noStrike" spc="-1">
               <a:solidFill>
@@ -8755,7 +8639,7 @@
           <p:cNvPr id="8" name="TextShape 7">
             <a:extLst>
               <a:ext uri="{FF2B5EF4-FFF2-40B4-BE49-F238E27FC236}">
-                <a16:creationId xmlns="" xmlns:a16="http://schemas.microsoft.com/office/drawing/2014/main" id="{19D7A3A6-D670-3C4A-C2D0-65B615EE09E8}"/>
+                <a16:creationId xmlns:a16="http://schemas.microsoft.com/office/drawing/2014/main" id="{19D7A3A6-D670-3C4A-C2D0-65B615EE09E8}"/>
               </a:ext>
             </a:extLst>
           </p:cNvPr>
@@ -8809,7 +8693,7 @@
           <p:cNvPr id="9" name="CustomShape 8">
             <a:extLst>
               <a:ext uri="{FF2B5EF4-FFF2-40B4-BE49-F238E27FC236}">
-                <a16:creationId xmlns="" xmlns:a16="http://schemas.microsoft.com/office/drawing/2014/main" id="{08126358-5602-2E2A-0FD3-CF2657A64424}"/>
+                <a16:creationId xmlns:a16="http://schemas.microsoft.com/office/drawing/2014/main" id="{08126358-5602-2E2A-0FD3-CF2657A64424}"/>
               </a:ext>
             </a:extLst>
           </p:cNvPr>
@@ -8851,7 +8735,6 @@
               <a:rPr lang="en-US" sz="2400" b="1" dirty="0"/>
               <a:t>Key Findings</a:t>
             </a:r>
-            <a:endParaRPr lang="en-US" sz="2400" b="1" dirty="0"/>
           </a:p>
         </p:txBody>
       </p:sp>
@@ -8860,7 +8743,7 @@
           <p:cNvPr id="10" name="CustomShape 9">
             <a:extLst>
               <a:ext uri="{FF2B5EF4-FFF2-40B4-BE49-F238E27FC236}">
-                <a16:creationId xmlns="" xmlns:a16="http://schemas.microsoft.com/office/drawing/2014/main" id="{BA1A8298-95E2-3B0B-D23D-89B9B8DCD54C}"/>
+                <a16:creationId xmlns:a16="http://schemas.microsoft.com/office/drawing/2014/main" id="{BA1A8298-95E2-3B0B-D23D-89B9B8DCD54C}"/>
               </a:ext>
             </a:extLst>
           </p:cNvPr>
@@ -9061,7 +8944,7 @@
           <p:cNvPr id="11" name="CustomShape 10">
             <a:extLst>
               <a:ext uri="{FF2B5EF4-FFF2-40B4-BE49-F238E27FC236}">
-                <a16:creationId xmlns="" xmlns:a16="http://schemas.microsoft.com/office/drawing/2014/main" id="{FDCA6A8D-F5EB-EB17-86F6-BE6E137FBBBF}"/>
+                <a16:creationId xmlns:a16="http://schemas.microsoft.com/office/drawing/2014/main" id="{FDCA6A8D-F5EB-EB17-86F6-BE6E137FBBBF}"/>
               </a:ext>
             </a:extLst>
           </p:cNvPr>
@@ -9134,7 +9017,6 @@
               <a:rPr lang="en-US" sz="2400" dirty="0"/>
               <a:t>Strong statistical power</a:t>
             </a:r>
-            <a:endParaRPr lang="en-US" sz="2400" dirty="0"/>
           </a:p>
         </p:txBody>
       </p:sp>
@@ -9143,7 +9025,7 @@
           <p:cNvPr id="13" name="AutoShape 2" descr="Output image">
             <a:extLst>
               <a:ext uri="{FF2B5EF4-FFF2-40B4-BE49-F238E27FC236}">
-                <a16:creationId xmlns="" xmlns:a16="http://schemas.microsoft.com/office/drawing/2014/main" id="{A48D8A1F-CAAF-F40F-9AD5-35E424001878}"/>
+                <a16:creationId xmlns:a16="http://schemas.microsoft.com/office/drawing/2014/main" id="{A48D8A1F-CAAF-F40F-9AD5-35E424001878}"/>
               </a:ext>
             </a:extLst>
           </p:cNvPr>
@@ -9206,14 +9088,9 @@
           <a:p>
             <a:pPr algn="ctr"/>
             <a:r>
-              <a:rPr lang="en-US" sz="2400" b="1" dirty="0" smtClean="0"/>
-              <a:t>Significant </a:t>
-            </a:r>
-            <a:r>
               <a:rPr lang="en-US" sz="2400" b="1" dirty="0"/>
-              <a:t>State Difference </a:t>
-            </a:r>
-            <a:endParaRPr lang="en-US" sz="2400" b="1" dirty="0" smtClean="0"/>
+              <a:t>Significant State Difference </a:t>
+            </a:r>
           </a:p>
           <a:p>
             <a:pPr marL="342900" indent="-342900">
@@ -9221,16 +9098,8 @@
               <a:buChar char="ü"/>
             </a:pPr>
             <a:r>
-              <a:rPr lang="en-US" sz="2400" dirty="0" smtClean="0"/>
-              <a:t>2.5</a:t>
-            </a:r>
-            <a:r>
               <a:rPr lang="en-US" sz="2400" dirty="0"/>
-              <a:t>% lower poverty rate in </a:t>
-            </a:r>
-            <a:r>
-              <a:rPr lang="en-US" sz="2400" dirty="0" smtClean="0"/>
-              <a:t>California</a:t>
+              <a:t>2.5% lower poverty rate in California</a:t>
             </a:r>
           </a:p>
           <a:p>
@@ -9239,16 +9108,12 @@
               <a:buChar char="ü"/>
             </a:pPr>
             <a:r>
-              <a:rPr lang="en-US" sz="2400" dirty="0" smtClean="0"/>
+              <a:rPr lang="en-US" sz="2400" dirty="0"/>
               <a:t>Statistically </a:t>
             </a:r>
             <a:r>
-              <a:rPr lang="en-US" sz="2400" dirty="0"/>
-              <a:t>significant </a:t>
-            </a:r>
-            <a:r>
-              <a:rPr lang="en-US" sz="2400" dirty="0" smtClean="0"/>
-              <a:t>result</a:t>
+              <a:rPr lang="en-US" sz="2400"/>
+              <a:t>significant result.</a:t>
             </a:r>
             <a:endParaRPr lang="en-US" sz="2400" dirty="0"/>
           </a:p>
@@ -9289,7 +9154,7 @@
           <p:cNvPr id="2" name="CustomShape 1">
             <a:extLst>
               <a:ext uri="{FF2B5EF4-FFF2-40B4-BE49-F238E27FC236}">
-                <a16:creationId xmlns="" xmlns:a16="http://schemas.microsoft.com/office/drawing/2014/main" id="{1D6328F2-F72C-25F2-E88D-20155AAE47A7}"/>
+                <a16:creationId xmlns:a16="http://schemas.microsoft.com/office/drawing/2014/main" id="{1D6328F2-F72C-25F2-E88D-20155AAE47A7}"/>
               </a:ext>
             </a:extLst>
           </p:cNvPr>
@@ -9338,7 +9203,7 @@
           <p:cNvPr id="3" name="CustomShape 2">
             <a:extLst>
               <a:ext uri="{FF2B5EF4-FFF2-40B4-BE49-F238E27FC236}">
-                <a16:creationId xmlns="" xmlns:a16="http://schemas.microsoft.com/office/drawing/2014/main" id="{7E3000EE-F64C-DF4D-354E-966553BD39CD}"/>
+                <a16:creationId xmlns:a16="http://schemas.microsoft.com/office/drawing/2014/main" id="{7E3000EE-F64C-DF4D-354E-966553BD39CD}"/>
               </a:ext>
             </a:extLst>
           </p:cNvPr>
@@ -9397,7 +9262,7 @@
           <p:cNvPr id="4" name="CustomShape 3">
             <a:extLst>
               <a:ext uri="{FF2B5EF4-FFF2-40B4-BE49-F238E27FC236}">
-                <a16:creationId xmlns="" xmlns:a16="http://schemas.microsoft.com/office/drawing/2014/main" id="{5970E895-184F-149D-BED8-17CC27FEE6BC}"/>
+                <a16:creationId xmlns:a16="http://schemas.microsoft.com/office/drawing/2014/main" id="{5970E895-184F-149D-BED8-17CC27FEE6BC}"/>
               </a:ext>
             </a:extLst>
           </p:cNvPr>
@@ -9458,7 +9323,7 @@
           <p:cNvPr id="5" name="CustomShape 4">
             <a:extLst>
               <a:ext uri="{FF2B5EF4-FFF2-40B4-BE49-F238E27FC236}">
-                <a16:creationId xmlns="" xmlns:a16="http://schemas.microsoft.com/office/drawing/2014/main" id="{387B5665-9537-1B2C-A111-22CFF20C36D6}"/>
+                <a16:creationId xmlns:a16="http://schemas.microsoft.com/office/drawing/2014/main" id="{387B5665-9537-1B2C-A111-22CFF20C36D6}"/>
               </a:ext>
             </a:extLst>
           </p:cNvPr>
@@ -9523,7 +9388,7 @@
           <p:cNvPr id="6" name="TextShape 5">
             <a:extLst>
               <a:ext uri="{FF2B5EF4-FFF2-40B4-BE49-F238E27FC236}">
-                <a16:creationId xmlns="" xmlns:a16="http://schemas.microsoft.com/office/drawing/2014/main" id="{26ED909D-757A-18BF-4440-481D105BB838}"/>
+                <a16:creationId xmlns:a16="http://schemas.microsoft.com/office/drawing/2014/main" id="{26ED909D-757A-18BF-4440-481D105BB838}"/>
               </a:ext>
             </a:extLst>
           </p:cNvPr>
@@ -9563,13 +9428,7 @@
               </a:rPr>
               <a:t> </a:t>
             </a:r>
-            <a:r>
-              <a:t/>
-            </a:r>
             <a:br/>
-            <a:r>
-              <a:t/>
-            </a:r>
             <a:br/>
             <a:endParaRPr lang="en-US" sz="2400" b="0" strike="noStrike" spc="-1">
               <a:solidFill>
@@ -9585,7 +9444,7 @@
           <p:cNvPr id="8" name="TextShape 7">
             <a:extLst>
               <a:ext uri="{FF2B5EF4-FFF2-40B4-BE49-F238E27FC236}">
-                <a16:creationId xmlns="" xmlns:a16="http://schemas.microsoft.com/office/drawing/2014/main" id="{19D7A3A6-D670-3C4A-C2D0-65B615EE09E8}"/>
+                <a16:creationId xmlns:a16="http://schemas.microsoft.com/office/drawing/2014/main" id="{19D7A3A6-D670-3C4A-C2D0-65B615EE09E8}"/>
               </a:ext>
             </a:extLst>
           </p:cNvPr>
@@ -9639,7 +9498,7 @@
           <p:cNvPr id="9" name="CustomShape 8">
             <a:extLst>
               <a:ext uri="{FF2B5EF4-FFF2-40B4-BE49-F238E27FC236}">
-                <a16:creationId xmlns="" xmlns:a16="http://schemas.microsoft.com/office/drawing/2014/main" id="{08126358-5602-2E2A-0FD3-CF2657A64424}"/>
+                <a16:creationId xmlns:a16="http://schemas.microsoft.com/office/drawing/2014/main" id="{08126358-5602-2E2A-0FD3-CF2657A64424}"/>
               </a:ext>
             </a:extLst>
           </p:cNvPr>
@@ -9678,10 +9537,9 @@
           <a:lstStyle/>
           <a:p>
             <a:r>
-              <a:rPr lang="en-US" sz="2400" b="1" dirty="0" smtClean="0"/>
+              <a:rPr lang="en-US" sz="2400" b="1" dirty="0"/>
               <a:t>Implications</a:t>
             </a:r>
-            <a:endParaRPr lang="en-US" sz="2400" b="1" dirty="0"/>
           </a:p>
         </p:txBody>
       </p:sp>
@@ -9690,7 +9548,7 @@
           <p:cNvPr id="10" name="CustomShape 9">
             <a:extLst>
               <a:ext uri="{FF2B5EF4-FFF2-40B4-BE49-F238E27FC236}">
-                <a16:creationId xmlns="" xmlns:a16="http://schemas.microsoft.com/office/drawing/2014/main" id="{BA1A8298-95E2-3B0B-D23D-89B9B8DCD54C}"/>
+                <a16:creationId xmlns:a16="http://schemas.microsoft.com/office/drawing/2014/main" id="{BA1A8298-95E2-3B0B-D23D-89B9B8DCD54C}"/>
               </a:ext>
             </a:extLst>
           </p:cNvPr>
@@ -9891,7 +9749,7 @@
           <p:cNvPr id="11" name="CustomShape 10">
             <a:extLst>
               <a:ext uri="{FF2B5EF4-FFF2-40B4-BE49-F238E27FC236}">
-                <a16:creationId xmlns="" xmlns:a16="http://schemas.microsoft.com/office/drawing/2014/main" id="{FDCA6A8D-F5EB-EB17-86F6-BE6E137FBBBF}"/>
+                <a16:creationId xmlns:a16="http://schemas.microsoft.com/office/drawing/2014/main" id="{FDCA6A8D-F5EB-EB17-86F6-BE6E137FBBBF}"/>
               </a:ext>
             </a:extLst>
           </p:cNvPr>
@@ -9964,7 +9822,6 @@
               <a:rPr lang="en-US" sz="2400" dirty="0"/>
               <a:t>Social program analysis</a:t>
             </a:r>
-            <a:endParaRPr lang="en-US" sz="2400" dirty="0"/>
           </a:p>
         </p:txBody>
       </p:sp>
@@ -9973,7 +9830,7 @@
           <p:cNvPr id="13" name="AutoShape 2" descr="Output image">
             <a:extLst>
               <a:ext uri="{FF2B5EF4-FFF2-40B4-BE49-F238E27FC236}">
-                <a16:creationId xmlns="" xmlns:a16="http://schemas.microsoft.com/office/drawing/2014/main" id="{A48D8A1F-CAAF-F40F-9AD5-35E424001878}"/>
+                <a16:creationId xmlns:a16="http://schemas.microsoft.com/office/drawing/2014/main" id="{A48D8A1F-CAAF-F40F-9AD5-35E424001878}"/>
               </a:ext>
             </a:extLst>
           </p:cNvPr>
@@ -10036,12 +9893,8 @@
           <a:p>
             <a:pPr algn="ctr"/>
             <a:r>
-              <a:rPr lang="en-US" sz="2400" b="1" dirty="0" smtClean="0"/>
-              <a:t>State-Level </a:t>
-            </a:r>
-            <a:r>
               <a:rPr lang="en-US" sz="2400" b="1" dirty="0"/>
-              <a:t>Impacts </a:t>
+              <a:t>State-Level Impacts </a:t>
             </a:r>
           </a:p>
           <a:p>
@@ -10061,13 +9914,8 @@
             </a:pPr>
             <a:r>
               <a:rPr lang="en-US" sz="2400" dirty="0"/>
-              <a:t>Social program </a:t>
-            </a:r>
-            <a:r>
-              <a:rPr lang="en-US" sz="2400" dirty="0" smtClean="0"/>
-              <a:t>implications</a:t>
-            </a:r>
-            <a:endParaRPr lang="en-US" sz="2400" dirty="0"/>
+              <a:t>Social program implications</a:t>
+            </a:r>
           </a:p>
         </p:txBody>
       </p:sp>
@@ -10311,7 +10159,7 @@
   <a:extraClrSchemeLst/>
   <a:extLst>
     <a:ext uri="{05A4C25C-085E-4340-85A3-A5531E510DB2}">
-      <thm15:themeFamily xmlns="" xmlns:thm15="http://schemas.microsoft.com/office/thememl/2012/main" name="Office Theme" id="{62F939B6-93AF-4DB8-9C6B-D6C7DFDC589F}" vid="{4A3C46E8-61CC-4603-A589-7422A47A8E4A}"/>
+      <thm15:themeFamily xmlns:thm15="http://schemas.microsoft.com/office/thememl/2012/main" name="Office Theme" id="{62F939B6-93AF-4DB8-9C6B-D6C7DFDC589F}" vid="{4A3C46E8-61CC-4603-A589-7422A47A8E4A}"/>
     </a:ext>
   </a:extLst>
 </a:theme>
@@ -10544,7 +10392,7 @@
   <a:extraClrSchemeLst/>
   <a:extLst>
     <a:ext uri="{05A4C25C-085E-4340-85A3-A5531E510DB2}">
-      <thm15:themeFamily xmlns="" xmlns:thm15="http://schemas.microsoft.com/office/thememl/2012/main" name="Office Theme" id="{62F939B6-93AF-4DB8-9C6B-D6C7DFDC589F}" vid="{4A3C46E8-61CC-4603-A589-7422A47A8E4A}"/>
+      <thm15:themeFamily xmlns:thm15="http://schemas.microsoft.com/office/thememl/2012/main" name="Office Theme" id="{62F939B6-93AF-4DB8-9C6B-D6C7DFDC589F}" vid="{4A3C46E8-61CC-4603-A589-7422A47A8E4A}"/>
     </a:ext>
   </a:extLst>
 </a:theme>
@@ -10777,7 +10625,7 @@
   <a:extraClrSchemeLst/>
   <a:extLst>
     <a:ext uri="{05A4C25C-085E-4340-85A3-A5531E510DB2}">
-      <thm15:themeFamily xmlns="" xmlns:thm15="http://schemas.microsoft.com/office/thememl/2012/main" name="Office Theme" id="{62F939B6-93AF-4DB8-9C6B-D6C7DFDC589F}" vid="{4A3C46E8-61CC-4603-A589-7422A47A8E4A}"/>
+      <thm15:themeFamily xmlns:thm15="http://schemas.microsoft.com/office/thememl/2012/main" name="Office Theme" id="{62F939B6-93AF-4DB8-9C6B-D6C7DFDC589F}" vid="{4A3C46E8-61CC-4603-A589-7422A47A8E4A}"/>
     </a:ext>
   </a:extLst>
 </a:theme>

--- a/team A081.pptx
+++ b/team A081.pptx
@@ -6157,7 +6157,7 @@
                 <a:latin typeface="Arial" panose="020B0604020202020204"/>
                 <a:sym typeface="+mn-ea"/>
               </a:rPr>
-              <a:t>								</a:t>
+              <a:t>							                Sai </a:t>
             </a:r>
             <a:r>
               <a:rPr lang="en-GB" altLang="en-GB" sz="1500" spc="-1" dirty="0" err="1">
@@ -6167,7 +6167,7 @@
                 <a:latin typeface="Arial" panose="020B0604020202020204"/>
                 <a:sym typeface="+mn-ea"/>
               </a:rPr>
-              <a:t>Sai</a:t>
+              <a:t>Mithil</a:t>
             </a:r>
             <a:r>
               <a:rPr lang="en-GB" altLang="en-GB" sz="1500" spc="-1" dirty="0">
@@ -6187,7 +6187,7 @@
                 <a:latin typeface="Arial" panose="020B0604020202020204"/>
                 <a:sym typeface="+mn-ea"/>
               </a:rPr>
-              <a:t>Mithil</a:t>
+              <a:t>Kancharla</a:t>
             </a:r>
             <a:endParaRPr lang="en-GB" sz="1500" spc="-1" dirty="0">
               <a:solidFill>

--- a/team A081.pptx
+++ b/team A081.pptx
@@ -6293,7 +6293,7 @@
                 <a:latin typeface="Arial" panose="020B0604020202020204"/>
                 <a:sym typeface="+mn-ea"/>
               </a:rPr>
-              <a:t>Elluri</a:t>
+              <a:t>Elluru</a:t>
             </a:r>
             <a:endParaRPr lang="en-GB" sz="1500" spc="-1" dirty="0">
               <a:solidFill>

--- a/team A081.pptx
+++ b/team A081.pptx
@@ -8252,8 +8252,13 @@
           <a:p>
             <a:r>
               <a:rPr lang="en-US" sz="2400" dirty="0"/>
-              <a:t>Non-overlapping confidence intervals</a:t>
-            </a:r>
+              <a:t>Non-overlapping </a:t>
+            </a:r>
+            <a:r>
+              <a:rPr lang="en-US" sz="2400"/>
+              <a:t>confidence intervals.</a:t>
+            </a:r>
+            <a:endParaRPr lang="en-US" sz="2400" dirty="0"/>
           </a:p>
         </p:txBody>
       </p:sp>
@@ -8304,7 +8309,7 @@
             <a:pPr algn="just"/>
             <a:r>
               <a:rPr lang="en-US" sz="2400" dirty="0"/>
-              <a:t>Strong statistical confidence</a:t>
+              <a:t>Strong statistical confidence.</a:t>
             </a:r>
           </a:p>
           <a:p>

--- a/team A081.pptx
+++ b/team A081.pptx
@@ -7589,7 +7589,7 @@
             <a:pPr lvl="1"/>
             <a:r>
               <a:rPr lang="en-US" sz="2400" dirty="0"/>
-              <a:t>Extracted state-specific metrics</a:t>
+              <a:t>Extracted state-specific metrics.</a:t>
             </a:r>
           </a:p>
           <a:p>
@@ -7606,7 +7606,7 @@
         <p:spPr>
           <a:xfrm>
             <a:off x="6028200" y="2238071"/>
-            <a:ext cx="5636040" cy="2246769"/>
+            <a:ext cx="5636040" cy="2677656"/>
           </a:xfrm>
           <a:prstGeom prst="rect">
             <a:avLst/>
@@ -7651,7 +7651,7 @@
             <a:pPr lvl="1"/>
             <a:r>
               <a:rPr lang="en-US" sz="2800" dirty="0"/>
-              <a:t>Confidence interval comparison</a:t>
+              <a:t>Confidence interval comparison.</a:t>
             </a:r>
           </a:p>
           <a:p>

--- a/team A081.pptx
+++ b/team A081.pptx
@@ -7828,7 +7828,7 @@
             </a:pPr>
             <a:r>
               <a:rPr lang="en-US" sz="2400" dirty="0"/>
-              <a:t>Mean poverty rate: 18.36</a:t>
+              <a:t>Mean poverty rate: 18.36.</a:t>
             </a:r>
           </a:p>
           <a:p>
